--- a/paper/figures2/flashlog_page.pptx
+++ b/paper/figures2/flashlog_page.pptx
@@ -104,6 +104,11 @@
       </a:defRPr>
     </a:lvl9pPr>
   </p:defaultTextStyle>
+  <p:extLst>
+    <p:ext uri="{EFAFB233-063F-42B5-8137-9DF3F51BA10A}">
+      <p15:sldGuideLst xmlns:p15="http://schemas.microsoft.com/office/powerpoint/2012/main"/>
+    </p:ext>
+  </p:extLst>
 </p:presentation>
 </file>
 
@@ -3082,7 +3087,7 @@
         <p:spPr>
           <a:xfrm>
             <a:off x="2872030" y="1343090"/>
-            <a:ext cx="1828834" cy="369332"/>
+            <a:ext cx="1812804" cy="369332"/>
           </a:xfrm>
           <a:prstGeom prst="rect">
             <a:avLst/>
@@ -3101,7 +3106,11 @@
             </a:r>
             <a:r>
               <a:rPr lang="en-US" dirty="0" smtClean="0"/>
-              <a:t> Segment</a:t>
+              <a:t> </a:t>
+            </a:r>
+            <a:r>
+              <a:rPr lang="en-US" dirty="0" smtClean="0"/>
+              <a:t>segment</a:t>
             </a:r>
             <a:endParaRPr lang="en-US" dirty="0"/>
           </a:p>

--- a/paper/figures2/flashlog_page.pptx
+++ b/paper/figures2/flashlog_page.pptx
@@ -243,7 +243,7 @@
           <a:p>
             <a:fld id="{87A6B1CE-9856-4F4A-9751-6BBFD9665011}" type="datetimeFigureOut">
               <a:rPr lang="en-US" smtClean="0"/>
-              <a:t>4/19/2017</a:t>
+              <a:t>4/21/2017</a:t>
             </a:fld>
             <a:endParaRPr lang="en-US"/>
           </a:p>
@@ -413,7 +413,7 @@
           <a:p>
             <a:fld id="{87A6B1CE-9856-4F4A-9751-6BBFD9665011}" type="datetimeFigureOut">
               <a:rPr lang="en-US" smtClean="0"/>
-              <a:t>4/19/2017</a:t>
+              <a:t>4/21/2017</a:t>
             </a:fld>
             <a:endParaRPr lang="en-US"/>
           </a:p>
@@ -593,7 +593,7 @@
           <a:p>
             <a:fld id="{87A6B1CE-9856-4F4A-9751-6BBFD9665011}" type="datetimeFigureOut">
               <a:rPr lang="en-US" smtClean="0"/>
-              <a:t>4/19/2017</a:t>
+              <a:t>4/21/2017</a:t>
             </a:fld>
             <a:endParaRPr lang="en-US"/>
           </a:p>
@@ -763,7 +763,7 @@
           <a:p>
             <a:fld id="{87A6B1CE-9856-4F4A-9751-6BBFD9665011}" type="datetimeFigureOut">
               <a:rPr lang="en-US" smtClean="0"/>
-              <a:t>4/19/2017</a:t>
+              <a:t>4/21/2017</a:t>
             </a:fld>
             <a:endParaRPr lang="en-US"/>
           </a:p>
@@ -1009,7 +1009,7 @@
           <a:p>
             <a:fld id="{87A6B1CE-9856-4F4A-9751-6BBFD9665011}" type="datetimeFigureOut">
               <a:rPr lang="en-US" smtClean="0"/>
-              <a:t>4/19/2017</a:t>
+              <a:t>4/21/2017</a:t>
             </a:fld>
             <a:endParaRPr lang="en-US"/>
           </a:p>
@@ -1241,7 +1241,7 @@
           <a:p>
             <a:fld id="{87A6B1CE-9856-4F4A-9751-6BBFD9665011}" type="datetimeFigureOut">
               <a:rPr lang="en-US" smtClean="0"/>
-              <a:t>4/19/2017</a:t>
+              <a:t>4/21/2017</a:t>
             </a:fld>
             <a:endParaRPr lang="en-US"/>
           </a:p>
@@ -1608,7 +1608,7 @@
           <a:p>
             <a:fld id="{87A6B1CE-9856-4F4A-9751-6BBFD9665011}" type="datetimeFigureOut">
               <a:rPr lang="en-US" smtClean="0"/>
-              <a:t>4/19/2017</a:t>
+              <a:t>4/21/2017</a:t>
             </a:fld>
             <a:endParaRPr lang="en-US"/>
           </a:p>
@@ -1726,7 +1726,7 @@
           <a:p>
             <a:fld id="{87A6B1CE-9856-4F4A-9751-6BBFD9665011}" type="datetimeFigureOut">
               <a:rPr lang="en-US" smtClean="0"/>
-              <a:t>4/19/2017</a:t>
+              <a:t>4/21/2017</a:t>
             </a:fld>
             <a:endParaRPr lang="en-US"/>
           </a:p>
@@ -1821,7 +1821,7 @@
           <a:p>
             <a:fld id="{87A6B1CE-9856-4F4A-9751-6BBFD9665011}" type="datetimeFigureOut">
               <a:rPr lang="en-US" smtClean="0"/>
-              <a:t>4/19/2017</a:t>
+              <a:t>4/21/2017</a:t>
             </a:fld>
             <a:endParaRPr lang="en-US"/>
           </a:p>
@@ -2098,7 +2098,7 @@
           <a:p>
             <a:fld id="{87A6B1CE-9856-4F4A-9751-6BBFD9665011}" type="datetimeFigureOut">
               <a:rPr lang="en-US" smtClean="0"/>
-              <a:t>4/19/2017</a:t>
+              <a:t>4/21/2017</a:t>
             </a:fld>
             <a:endParaRPr lang="en-US"/>
           </a:p>
@@ -2351,7 +2351,7 @@
           <a:p>
             <a:fld id="{87A6B1CE-9856-4F4A-9751-6BBFD9665011}" type="datetimeFigureOut">
               <a:rPr lang="en-US" smtClean="0"/>
-              <a:t>4/19/2017</a:t>
+              <a:t>4/21/2017</a:t>
             </a:fld>
             <a:endParaRPr lang="en-US"/>
           </a:p>
@@ -2564,7 +2564,7 @@
           <a:p>
             <a:fld id="{87A6B1CE-9856-4F4A-9751-6BBFD9665011}" type="datetimeFigureOut">
               <a:rPr lang="en-US" smtClean="0"/>
-              <a:t>4/19/2017</a:t>
+              <a:t>4/21/2017</a:t>
             </a:fld>
             <a:endParaRPr lang="en-US"/>
           </a:p>
@@ -2983,6 +2983,7 @@
           <a:prstGeom prst="rect">
             <a:avLst/>
           </a:prstGeom>
+          <a:noFill/>
         </p:spPr>
         <p:style>
           <a:lnRef idx="2">
@@ -3005,64 +3006,120 @@
           <a:lstStyle/>
           <a:p>
             <a:r>
-              <a:rPr lang="en-US" dirty="0" smtClean="0"/>
+              <a:rPr lang="en-US" dirty="0" smtClean="0">
+                <a:solidFill>
+                  <a:schemeClr val="tx1"/>
+                </a:solidFill>
+              </a:rPr>
               <a:t>uint64_t size; // non zero</a:t>
             </a:r>
           </a:p>
           <a:p>
             <a:r>
-              <a:rPr lang="en-US" dirty="0" smtClean="0"/>
+              <a:rPr lang="en-US" dirty="0" smtClean="0">
+                <a:solidFill>
+                  <a:schemeClr val="tx1"/>
+                </a:solidFill>
+              </a:rPr>
               <a:t>{uint64_t </a:t>
             </a:r>
             <a:r>
-              <a:rPr lang="en-US" dirty="0" err="1" smtClean="0"/>
+              <a:rPr lang="en-US" dirty="0" err="1" smtClean="0">
+                <a:solidFill>
+                  <a:schemeClr val="tx1"/>
+                </a:solidFill>
+              </a:rPr>
               <a:t>entry_sz;char</a:t>
             </a:r>
             <a:r>
-              <a:rPr lang="en-US" dirty="0" smtClean="0"/>
+              <a:rPr lang="en-US" dirty="0" smtClean="0">
+                <a:solidFill>
+                  <a:schemeClr val="tx1"/>
+                </a:solidFill>
+              </a:rPr>
               <a:t> data[0]; }</a:t>
             </a:r>
           </a:p>
           <a:p>
-            <a:endParaRPr lang="en-US" dirty="0" smtClean="0"/>
-          </a:p>
-          <a:p>
-            <a:r>
-              <a:rPr lang="en-US" dirty="0" smtClean="0"/>
+            <a:endParaRPr lang="en-US" dirty="0" smtClean="0">
+              <a:solidFill>
+                <a:schemeClr val="tx1"/>
+              </a:solidFill>
+            </a:endParaRPr>
+          </a:p>
+          <a:p>
+            <a:r>
+              <a:rPr lang="en-US" dirty="0" smtClean="0">
+                <a:solidFill>
+                  <a:schemeClr val="tx1"/>
+                </a:solidFill>
+              </a:rPr>
               <a:t>{uint64_t </a:t>
             </a:r>
             <a:r>
-              <a:rPr lang="en-US" dirty="0" err="1" smtClean="0"/>
+              <a:rPr lang="en-US" dirty="0" err="1" smtClean="0">
+                <a:solidFill>
+                  <a:schemeClr val="tx1"/>
+                </a:solidFill>
+              </a:rPr>
               <a:t>entry_sz;char</a:t>
             </a:r>
             <a:r>
-              <a:rPr lang="en-US" dirty="0" smtClean="0"/>
+              <a:rPr lang="en-US" dirty="0" smtClean="0">
+                <a:solidFill>
+                  <a:schemeClr val="tx1"/>
+                </a:solidFill>
+              </a:rPr>
               <a:t> data[0]; }</a:t>
             </a:r>
           </a:p>
           <a:p>
-            <a:endParaRPr lang="en-US" dirty="0" smtClean="0"/>
-          </a:p>
-          <a:p>
-            <a:r>
-              <a:rPr lang="en-US" dirty="0" smtClean="0"/>
+            <a:endParaRPr lang="en-US" dirty="0" smtClean="0">
+              <a:solidFill>
+                <a:schemeClr val="tx1"/>
+              </a:solidFill>
+            </a:endParaRPr>
+          </a:p>
+          <a:p>
+            <a:r>
+              <a:rPr lang="en-US" dirty="0" smtClean="0">
+                <a:solidFill>
+                  <a:schemeClr val="tx1"/>
+                </a:solidFill>
+              </a:rPr>
               <a:t>{uint64_t </a:t>
             </a:r>
             <a:r>
-              <a:rPr lang="en-US" dirty="0" err="1" smtClean="0"/>
+              <a:rPr lang="en-US" dirty="0" err="1" smtClean="0">
+                <a:solidFill>
+                  <a:schemeClr val="tx1"/>
+                </a:solidFill>
+              </a:rPr>
               <a:t>entry_sz;char</a:t>
             </a:r>
             <a:r>
-              <a:rPr lang="en-US" dirty="0" smtClean="0"/>
+              <a:rPr lang="en-US" dirty="0" smtClean="0">
+                <a:solidFill>
+                  <a:schemeClr val="tx1"/>
+                </a:solidFill>
+              </a:rPr>
               <a:t> data[0]; }</a:t>
             </a:r>
           </a:p>
           <a:p>
-            <a:endParaRPr lang="en-US" dirty="0" smtClean="0"/>
-          </a:p>
-          <a:p>
-            <a:r>
-              <a:rPr lang="en-US" dirty="0" smtClean="0"/>
+            <a:endParaRPr lang="en-US" dirty="0" smtClean="0">
+              <a:solidFill>
+                <a:schemeClr val="tx1"/>
+              </a:solidFill>
+            </a:endParaRPr>
+          </a:p>
+          <a:p>
+            <a:r>
+              <a:rPr lang="en-US" dirty="0" smtClean="0">
+                <a:solidFill>
+                  <a:schemeClr val="tx1"/>
+                </a:solidFill>
+              </a:rPr>
               <a:t>….</a:t>
             </a:r>
           </a:p>
@@ -3106,11 +3163,7 @@
             </a:r>
             <a:r>
               <a:rPr lang="en-US" dirty="0" smtClean="0"/>
-              <a:t> </a:t>
-            </a:r>
-            <a:r>
-              <a:rPr lang="en-US" dirty="0" smtClean="0"/>
-              <a:t>segment</a:t>
+              <a:t> segment</a:t>
             </a:r>
             <a:endParaRPr lang="en-US" dirty="0"/>
           </a:p>
